--- a/Documentation/project final ppt.pptx
+++ b/Documentation/project final ppt.pptx
@@ -329,7 +329,7 @@
           <a:p>
             <a:fld id="{F0B242E9-8CE7-BD4A-9571-EA3D1778B2DC}" type="datetimeFigureOut">
               <a:rPr lang="en-US" smtClean="0"/>
-              <a:t>5/2/2016</a:t>
+              <a:t>5/3/2016</a:t>
             </a:fld>
             <a:endParaRPr lang="en-US"/>
           </a:p>
@@ -499,7 +499,7 @@
           <a:p>
             <a:fld id="{F0B242E9-8CE7-BD4A-9571-EA3D1778B2DC}" type="datetimeFigureOut">
               <a:rPr lang="en-US" smtClean="0"/>
-              <a:t>5/2/2016</a:t>
+              <a:t>5/3/2016</a:t>
             </a:fld>
             <a:endParaRPr lang="en-US"/>
           </a:p>
@@ -679,7 +679,7 @@
           <a:p>
             <a:fld id="{F0B242E9-8CE7-BD4A-9571-EA3D1778B2DC}" type="datetimeFigureOut">
               <a:rPr lang="en-US" smtClean="0"/>
-              <a:t>5/2/2016</a:t>
+              <a:t>5/3/2016</a:t>
             </a:fld>
             <a:endParaRPr lang="en-US"/>
           </a:p>
@@ -921,7 +921,7 @@
           <a:p>
             <a:fld id="{4641FF57-D500-D947-82D9-29F21DC9641E}" type="datetimeFigureOut">
               <a:rPr lang="en-US" smtClean="0"/>
-              <a:t>5/2/2016</a:t>
+              <a:t>5/3/2016</a:t>
             </a:fld>
             <a:endParaRPr lang="en-US"/>
           </a:p>
@@ -1091,7 +1091,7 @@
           <a:p>
             <a:fld id="{4641FF57-D500-D947-82D9-29F21DC9641E}" type="datetimeFigureOut">
               <a:rPr lang="en-US" smtClean="0"/>
-              <a:t>5/2/2016</a:t>
+              <a:t>5/3/2016</a:t>
             </a:fld>
             <a:endParaRPr lang="en-US"/>
           </a:p>
@@ -1337,7 +1337,7 @@
           <a:p>
             <a:fld id="{4641FF57-D500-D947-82D9-29F21DC9641E}" type="datetimeFigureOut">
               <a:rPr lang="en-US" smtClean="0"/>
-              <a:t>5/2/2016</a:t>
+              <a:t>5/3/2016</a:t>
             </a:fld>
             <a:endParaRPr lang="en-US"/>
           </a:p>
@@ -1625,7 +1625,7 @@
           <a:p>
             <a:fld id="{4641FF57-D500-D947-82D9-29F21DC9641E}" type="datetimeFigureOut">
               <a:rPr lang="en-US" smtClean="0"/>
-              <a:t>5/2/2016</a:t>
+              <a:t>5/3/2016</a:t>
             </a:fld>
             <a:endParaRPr lang="en-US"/>
           </a:p>
@@ -2047,7 +2047,7 @@
           <a:p>
             <a:fld id="{4641FF57-D500-D947-82D9-29F21DC9641E}" type="datetimeFigureOut">
               <a:rPr lang="en-US" smtClean="0"/>
-              <a:t>5/2/2016</a:t>
+              <a:t>5/3/2016</a:t>
             </a:fld>
             <a:endParaRPr lang="en-US"/>
           </a:p>
@@ -2165,7 +2165,7 @@
           <a:p>
             <a:fld id="{4641FF57-D500-D947-82D9-29F21DC9641E}" type="datetimeFigureOut">
               <a:rPr lang="en-US" smtClean="0"/>
-              <a:t>5/2/2016</a:t>
+              <a:t>5/3/2016</a:t>
             </a:fld>
             <a:endParaRPr lang="en-US"/>
           </a:p>
@@ -2260,7 +2260,7 @@
           <a:p>
             <a:fld id="{4641FF57-D500-D947-82D9-29F21DC9641E}" type="datetimeFigureOut">
               <a:rPr lang="en-US" smtClean="0"/>
-              <a:t>5/2/2016</a:t>
+              <a:t>5/3/2016</a:t>
             </a:fld>
             <a:endParaRPr lang="en-US"/>
           </a:p>
@@ -2537,7 +2537,7 @@
           <a:p>
             <a:fld id="{4641FF57-D500-D947-82D9-29F21DC9641E}" type="datetimeFigureOut">
               <a:rPr lang="en-US" smtClean="0"/>
-              <a:t>5/2/2016</a:t>
+              <a:t>5/3/2016</a:t>
             </a:fld>
             <a:endParaRPr lang="en-US"/>
           </a:p>
@@ -2707,7 +2707,7 @@
           <a:p>
             <a:fld id="{F0B242E9-8CE7-BD4A-9571-EA3D1778B2DC}" type="datetimeFigureOut">
               <a:rPr lang="en-US" smtClean="0"/>
-              <a:t>5/2/2016</a:t>
+              <a:t>5/3/2016</a:t>
             </a:fld>
             <a:endParaRPr lang="en-US"/>
           </a:p>
@@ -2960,7 +2960,7 @@
           <a:p>
             <a:fld id="{4641FF57-D500-D947-82D9-29F21DC9641E}" type="datetimeFigureOut">
               <a:rPr lang="en-US" smtClean="0"/>
-              <a:t>5/2/2016</a:t>
+              <a:t>5/3/2016</a:t>
             </a:fld>
             <a:endParaRPr lang="en-US"/>
           </a:p>
@@ -3130,7 +3130,7 @@
           <a:p>
             <a:fld id="{4641FF57-D500-D947-82D9-29F21DC9641E}" type="datetimeFigureOut">
               <a:rPr lang="en-US" smtClean="0"/>
-              <a:t>5/2/2016</a:t>
+              <a:t>5/3/2016</a:t>
             </a:fld>
             <a:endParaRPr lang="en-US"/>
           </a:p>
@@ -3310,7 +3310,7 @@
           <a:p>
             <a:fld id="{4641FF57-D500-D947-82D9-29F21DC9641E}" type="datetimeFigureOut">
               <a:rPr lang="en-US" smtClean="0"/>
-              <a:t>5/2/2016</a:t>
+              <a:t>5/3/2016</a:t>
             </a:fld>
             <a:endParaRPr lang="en-US"/>
           </a:p>
@@ -3556,7 +3556,7 @@
           <a:p>
             <a:fld id="{F0B242E9-8CE7-BD4A-9571-EA3D1778B2DC}" type="datetimeFigureOut">
               <a:rPr lang="en-US" smtClean="0"/>
-              <a:t>5/2/2016</a:t>
+              <a:t>5/3/2016</a:t>
             </a:fld>
             <a:endParaRPr lang="en-US"/>
           </a:p>
@@ -3844,7 +3844,7 @@
           <a:p>
             <a:fld id="{F0B242E9-8CE7-BD4A-9571-EA3D1778B2DC}" type="datetimeFigureOut">
               <a:rPr lang="en-US" smtClean="0"/>
-              <a:t>5/2/2016</a:t>
+              <a:t>5/3/2016</a:t>
             </a:fld>
             <a:endParaRPr lang="en-US"/>
           </a:p>
@@ -4266,7 +4266,7 @@
           <a:p>
             <a:fld id="{F0B242E9-8CE7-BD4A-9571-EA3D1778B2DC}" type="datetimeFigureOut">
               <a:rPr lang="en-US" smtClean="0"/>
-              <a:t>5/2/2016</a:t>
+              <a:t>5/3/2016</a:t>
             </a:fld>
             <a:endParaRPr lang="en-US"/>
           </a:p>
@@ -4384,7 +4384,7 @@
           <a:p>
             <a:fld id="{F0B242E9-8CE7-BD4A-9571-EA3D1778B2DC}" type="datetimeFigureOut">
               <a:rPr lang="en-US" smtClean="0"/>
-              <a:t>5/2/2016</a:t>
+              <a:t>5/3/2016</a:t>
             </a:fld>
             <a:endParaRPr lang="en-US"/>
           </a:p>
@@ -4479,7 +4479,7 @@
           <a:p>
             <a:fld id="{F0B242E9-8CE7-BD4A-9571-EA3D1778B2DC}" type="datetimeFigureOut">
               <a:rPr lang="en-US" smtClean="0"/>
-              <a:t>5/2/2016</a:t>
+              <a:t>5/3/2016</a:t>
             </a:fld>
             <a:endParaRPr lang="en-US"/>
           </a:p>
@@ -4756,7 +4756,7 @@
           <a:p>
             <a:fld id="{F0B242E9-8CE7-BD4A-9571-EA3D1778B2DC}" type="datetimeFigureOut">
               <a:rPr lang="en-US" smtClean="0"/>
-              <a:t>5/2/2016</a:t>
+              <a:t>5/3/2016</a:t>
             </a:fld>
             <a:endParaRPr lang="en-US"/>
           </a:p>
@@ -5009,7 +5009,7 @@
           <a:p>
             <a:fld id="{F0B242E9-8CE7-BD4A-9571-EA3D1778B2DC}" type="datetimeFigureOut">
               <a:rPr lang="en-US" smtClean="0"/>
-              <a:t>5/2/2016</a:t>
+              <a:t>5/3/2016</a:t>
             </a:fld>
             <a:endParaRPr lang="en-US"/>
           </a:p>
@@ -5222,7 +5222,7 @@
           <a:p>
             <a:fld id="{F0B242E9-8CE7-BD4A-9571-EA3D1778B2DC}" type="datetimeFigureOut">
               <a:rPr lang="en-US" smtClean="0"/>
-              <a:t>5/2/2016</a:t>
+              <a:t>5/3/2016</a:t>
             </a:fld>
             <a:endParaRPr lang="en-US"/>
           </a:p>
@@ -5738,7 +5738,7 @@
           <a:p>
             <a:fld id="{4641FF57-D500-D947-82D9-29F21DC9641E}" type="datetimeFigureOut">
               <a:rPr lang="en-US" smtClean="0"/>
-              <a:t>5/2/2016</a:t>
+              <a:t>5/3/2016</a:t>
             </a:fld>
             <a:endParaRPr lang="en-US"/>
           </a:p>
@@ -6155,11 +6155,7 @@
             </a:r>
             <a:r>
               <a:rPr lang="en-IN" dirty="0" smtClean="0"/>
-              <a:t>							</a:t>
-            </a:r>
-            <a:r>
-              <a:rPr lang="en-IN" dirty="0" smtClean="0"/>
-              <a:t> 		</a:t>
+              <a:t>							 		</a:t>
             </a:r>
             <a:endParaRPr lang="en-US" dirty="0"/>
           </a:p>
@@ -6557,45 +6553,27 @@
           <a:p>
             <a:r>
               <a:rPr lang="en-IN" sz="2400" dirty="0" smtClean="0"/>
-              <a:t>Live market prices, notification </a:t>
+              <a:t>Live market prices, </a:t>
             </a:r>
             <a:r>
               <a:rPr lang="en-IN" sz="2400" dirty="0" smtClean="0"/>
-              <a:t>on</a:t>
+              <a:t>notifications </a:t>
             </a:r>
             <a:r>
               <a:rPr lang="en-IN" sz="2400" dirty="0" smtClean="0"/>
-              <a:t> </a:t>
-            </a:r>
+              <a:t>on product price change</a:t>
+            </a:r>
+          </a:p>
+          <a:p>
             <a:r>
               <a:rPr lang="en-IN" sz="2400" dirty="0" smtClean="0"/>
-              <a:t>product price </a:t>
-            </a:r>
+              <a:t>Suggestions to crops – Fertilizers, insecticides</a:t>
+            </a:r>
+          </a:p>
+          <a:p>
             <a:r>
               <a:rPr lang="en-IN" sz="2400" dirty="0" smtClean="0"/>
-              <a:t>change</a:t>
-            </a:r>
-            <a:endParaRPr lang="en-IN" sz="2400" dirty="0" smtClean="0"/>
-          </a:p>
-          <a:p>
-            <a:r>
-              <a:rPr lang="en-IN" sz="2400" dirty="0" smtClean="0"/>
-              <a:t>Suggestions to </a:t>
-            </a:r>
-            <a:r>
-              <a:rPr lang="en-IN" sz="2400" dirty="0" smtClean="0"/>
-              <a:t>crops – Fertilizers, insecticides</a:t>
-            </a:r>
-            <a:endParaRPr lang="en-IN" sz="2400" dirty="0" smtClean="0"/>
-          </a:p>
-          <a:p>
-            <a:r>
-              <a:rPr lang="en-IN" sz="2400" dirty="0" smtClean="0"/>
-              <a:t>Current </a:t>
-            </a:r>
-            <a:r>
-              <a:rPr lang="en-IN" sz="2400" dirty="0" smtClean="0"/>
-              <a:t>News</a:t>
+              <a:t>Current News</a:t>
             </a:r>
           </a:p>
           <a:p>
@@ -6603,18 +6581,12 @@
               <a:rPr lang="en-IN" sz="2400" dirty="0" smtClean="0"/>
               <a:t>Market Locations</a:t>
             </a:r>
-            <a:endParaRPr lang="en-IN" sz="2400" dirty="0" smtClean="0"/>
           </a:p>
           <a:p>
             <a:r>
               <a:rPr lang="en-IN" sz="2400" dirty="0" smtClean="0"/>
-              <a:t>Manage </a:t>
-            </a:r>
-            <a:r>
-              <a:rPr lang="en-IN" sz="2400" dirty="0" smtClean="0"/>
-              <a:t>Users profile</a:t>
-            </a:r>
-            <a:endParaRPr lang="en-IN" sz="2400" dirty="0" smtClean="0"/>
+              <a:t>Manage Users profile</a:t>
+            </a:r>
           </a:p>
           <a:p>
             <a:endParaRPr lang="en-IN" sz="2400" dirty="0" smtClean="0"/>
@@ -6712,7 +6684,17 @@
           <a:p>
             <a:r>
               <a:rPr lang="en-IN" dirty="0" smtClean="0"/>
-              <a:t>Adding reviews for each seller</a:t>
+              <a:t>Adding reviews for each </a:t>
+            </a:r>
+            <a:r>
+              <a:rPr lang="en-IN" dirty="0" smtClean="0"/>
+              <a:t>seller</a:t>
+            </a:r>
+          </a:p>
+          <a:p>
+            <a:r>
+              <a:rPr lang="en-IN" dirty="0" smtClean="0"/>
+              <a:t>Get currently cultivating crops from farmer and push notification accordingly</a:t>
             </a:r>
             <a:endParaRPr lang="en-US" dirty="0"/>
           </a:p>
